--- a/Snooker.pptx
+++ b/Snooker.pptx
@@ -10,7 +10,8 @@
     <p:sldId id="258" r:id="rId4"/>
     <p:sldId id="259" r:id="rId5"/>
     <p:sldId id="260" r:id="rId6"/>
-    <p:sldId id="261" r:id="rId7"/>
+    <p:sldId id="262" r:id="rId7"/>
+    <p:sldId id="261" r:id="rId8"/>
   </p:sldIdLst>
   <p:sldSz cx="12192000" cy="6858000"/>
   <p:notesSz cx="6858000" cy="9144000"/>
@@ -856,6 +857,13 @@
             <a:schemeClr val="lt1"/>
           </a:fontRef>
         </p:style>
+        <p:txBody>
+          <a:bodyPr/>
+          <a:lstStyle/>
+          <a:p>
+            <a:endParaRPr lang="hu-HU"/>
+          </a:p>
+        </p:txBody>
       </p:sp>
       <p:sp>
         <p:nvSpPr>
@@ -1041,7 +1049,7 @@
           <a:p>
             <a:fld id="{ED291B17-9318-49DB-B28B-6E5994AE9581}" type="datetime1">
               <a:rPr lang="en-US" smtClean="0"/>
-              <a:t>11/26/2025</a:t>
+              <a:t>11/29/2025</a:t>
             </a:fld>
             <a:endParaRPr lang="en-US" dirty="0"/>
           </a:p>
@@ -1244,7 +1252,7 @@
           <a:p>
             <a:fld id="{2CED4963-E985-44C4-B8C4-FDD613B7C2F8}" type="datetime1">
               <a:rPr lang="en-US" smtClean="0"/>
-              <a:t>11/26/2025</a:t>
+              <a:t>11/29/2025</a:t>
             </a:fld>
             <a:endParaRPr lang="en-US" dirty="0"/>
           </a:p>
@@ -1606,7 +1614,7 @@
           <a:p>
             <a:fld id="{ED291B17-9318-49DB-B28B-6E5994AE9581}" type="datetime1">
               <a:rPr lang="en-US" smtClean="0"/>
-              <a:t>11/26/2025</a:t>
+              <a:t>11/29/2025</a:t>
             </a:fld>
             <a:endParaRPr lang="en-US" dirty="0"/>
           </a:p>
@@ -1804,7 +1812,7 @@
           <a:p>
             <a:fld id="{78DD82B9-B8EE-4375-B6FF-88FA6ABB15D9}" type="datetime1">
               <a:rPr lang="en-US" smtClean="0"/>
-              <a:t>11/26/2025</a:t>
+              <a:t>11/29/2025</a:t>
             </a:fld>
             <a:endParaRPr lang="en-US" dirty="0"/>
           </a:p>
@@ -2116,7 +2124,7 @@
           <a:p>
             <a:fld id="{B2497495-0637-405E-AE64-5CC7506D51F5}" type="datetime1">
               <a:rPr lang="en-US" smtClean="0"/>
-              <a:t>11/26/2025</a:t>
+              <a:t>11/29/2025</a:t>
             </a:fld>
             <a:endParaRPr lang="en-US" dirty="0"/>
           </a:p>
@@ -2369,7 +2377,7 @@
           <a:p>
             <a:fld id="{7BFFD690-9426-415D-8B65-26881E07B2D4}" type="datetime1">
               <a:rPr lang="en-US" smtClean="0"/>
-              <a:t>11/26/2025</a:t>
+              <a:t>11/29/2025</a:t>
             </a:fld>
             <a:endParaRPr lang="en-US" dirty="0"/>
           </a:p>
@@ -2791,7 +2799,7 @@
           <a:p>
             <a:fld id="{04C4989A-474C-40DE-95B9-011C28B71673}" type="datetime1">
               <a:rPr lang="en-US" smtClean="0"/>
-              <a:t>11/26/2025</a:t>
+              <a:t>11/29/2025</a:t>
             </a:fld>
             <a:endParaRPr lang="en-US" dirty="0"/>
           </a:p>
@@ -2914,7 +2922,7 @@
           <a:p>
             <a:fld id="{5DB4ED54-5B5E-4A04-93D3-5772E3CE3818}" type="datetime1">
               <a:rPr lang="en-US" smtClean="0"/>
-              <a:t>11/26/2025</a:t>
+              <a:t>11/29/2025</a:t>
             </a:fld>
             <a:endParaRPr lang="en-US" dirty="0"/>
           </a:p>
@@ -3009,7 +3017,7 @@
           <a:p>
             <a:fld id="{4EDE50D6-574B-40AF-946F-D52A04ADE379}" type="datetime1">
               <a:rPr lang="en-US" smtClean="0"/>
-              <a:t>11/26/2025</a:t>
+              <a:t>11/29/2025</a:t>
             </a:fld>
             <a:endParaRPr lang="en-US" dirty="0"/>
           </a:p>
@@ -3386,7 +3394,7 @@
           <a:p>
             <a:fld id="{D82884F1-FFEA-405F-9602-3DCA865EDA4E}" type="datetime1">
               <a:rPr lang="en-US" smtClean="0"/>
-              <a:t>11/26/2025</a:t>
+              <a:t>11/29/2025</a:t>
             </a:fld>
             <a:endParaRPr lang="en-US" dirty="0"/>
           </a:p>
@@ -3679,7 +3687,7 @@
           <a:p>
             <a:fld id="{7E18DB4A-8810-4A10-AD5C-D5E2C667F5B3}" type="datetime1">
               <a:rPr lang="en-US" smtClean="0"/>
-              <a:t>11/26/2025</a:t>
+              <a:t>11/29/2025</a:t>
             </a:fld>
             <a:endParaRPr lang="en-US" dirty="0"/>
           </a:p>
@@ -3894,7 +3902,7 @@
           <a:p>
             <a:fld id="{ED291B17-9318-49DB-B28B-6E5994AE9581}" type="datetime1">
               <a:rPr lang="en-US" smtClean="0"/>
-              <a:t>11/26/2025</a:t>
+              <a:t>11/29/2025</a:t>
             </a:fld>
             <a:endParaRPr lang="en-US" dirty="0"/>
           </a:p>
@@ -4016,6 +4024,13 @@
             <a:schemeClr val="lt1"/>
           </a:fontRef>
         </p:style>
+        <p:txBody>
+          <a:bodyPr/>
+          <a:lstStyle/>
+          <a:p>
+            <a:endParaRPr lang="hu-HU"/>
+          </a:p>
+        </p:txBody>
       </p:sp>
       <p:sp>
         <p:nvSpPr>
@@ -4053,6 +4068,13 @@
             <a:schemeClr val="lt1"/>
           </a:fontRef>
         </p:style>
+        <p:txBody>
+          <a:bodyPr/>
+          <a:lstStyle/>
+          <a:p>
+            <a:endParaRPr lang="hu-HU"/>
+          </a:p>
+        </p:txBody>
       </p:sp>
       <p:sp>
         <p:nvSpPr>
@@ -4090,6 +4112,13 @@
             <a:schemeClr val="lt1"/>
           </a:fontRef>
         </p:style>
+        <p:txBody>
+          <a:bodyPr/>
+          <a:lstStyle/>
+          <a:p>
+            <a:endParaRPr lang="hu-HU"/>
+          </a:p>
+        </p:txBody>
       </p:sp>
     </p:spTree>
     <p:extLst>
@@ -4972,6 +5001,13 @@
             <a:schemeClr val="lt1"/>
           </a:fontRef>
         </p:style>
+        <p:txBody>
+          <a:bodyPr/>
+          <a:lstStyle/>
+          <a:p>
+            <a:endParaRPr lang="hu-HU"/>
+          </a:p>
+        </p:txBody>
       </p:sp>
       <p:sp>
         <p:nvSpPr>
@@ -5026,6 +5062,13 @@
             <a:schemeClr val="lt1"/>
           </a:fontRef>
         </p:style>
+        <p:txBody>
+          <a:bodyPr/>
+          <a:lstStyle/>
+          <a:p>
+            <a:endParaRPr lang="hu-HU"/>
+          </a:p>
+        </p:txBody>
       </p:sp>
       <p:sp>
         <p:nvSpPr>
@@ -5080,6 +5123,13 @@
             <a:schemeClr val="lt1"/>
           </a:fontRef>
         </p:style>
+        <p:txBody>
+          <a:bodyPr/>
+          <a:lstStyle/>
+          <a:p>
+            <a:endParaRPr lang="hu-HU"/>
+          </a:p>
+        </p:txBody>
       </p:sp>
       <p:sp>
         <p:nvSpPr>
@@ -5511,21 +5561,14 @@
               <a:buChar char="-"/>
             </a:pPr>
             <a:r>
-              <a:rPr lang="en-US" dirty="0" err="1"/>
-              <a:t>Raucsik</a:t>
-            </a:r>
-            <a:r>
               <a:rPr lang="en-US" dirty="0"/>
-              <a:t> Attila - </a:t>
-            </a:r>
-            <a:r>
-              <a:rPr lang="en-US" i="1" dirty="0"/>
-              <a:t>ide </a:t>
-            </a:r>
-            <a:r>
-              <a:rPr lang="en-US" i="1" dirty="0" err="1"/>
-              <a:t>folytasd</a:t>
-            </a:r>
+              <a:t>Raucsik Attila - </a:t>
+            </a:r>
+            <a:r>
+              <a:rPr lang="hu-HU" dirty="0"/>
+              <a:t>játékszabályok, pontozás megvalósítása</a:t>
+            </a:r>
+            <a:endParaRPr lang="en-US" dirty="0" err="1"/>
           </a:p>
           <a:p>
             <a:pPr marL="285750" indent="-285750">
@@ -5541,10 +5584,10 @@
               <a:t>ide </a:t>
             </a:r>
             <a:r>
-              <a:rPr lang="en-US" i="1" err="1"/>
+              <a:rPr lang="en-US" i="1" dirty="0" err="1"/>
               <a:t>folytasd</a:t>
             </a:r>
-            <a:endParaRPr lang="hu-HU" i="1" err="1"/>
+            <a:endParaRPr lang="hu-HU" i="1" dirty="0"/>
           </a:p>
         </p:txBody>
       </p:sp>
@@ -5736,8 +5779,25 @@
               <a:buAutoNum type="arabicPeriod"/>
             </a:pPr>
             <a:r>
-              <a:rPr lang="hu-HU" i="1" dirty="0"/>
-              <a:t>Ide folytasd...</a:t>
+              <a:rPr lang="hu-HU" dirty="0"/>
+              <a:t>Az előző </a:t>
+            </a:r>
+            <a:r>
+              <a:rPr lang="hu-HU" dirty="0" err="1"/>
+              <a:t>frame-hez</a:t>
+            </a:r>
+            <a:r>
+              <a:rPr lang="hu-HU" dirty="0"/>
+              <a:t> képest történő változások érzékelése</a:t>
+            </a:r>
+          </a:p>
+          <a:p>
+            <a:pPr marL="342900" indent="-342900">
+              <a:buAutoNum type="arabicPeriod"/>
+            </a:pPr>
+            <a:r>
+              <a:rPr lang="hu-HU" dirty="0"/>
+              <a:t>Az észlelt változások alapján pontozás</a:t>
             </a:r>
           </a:p>
         </p:txBody>
@@ -5927,6 +5987,13 @@
             <a:schemeClr val="lt1"/>
           </a:fontRef>
         </p:style>
+        <p:txBody>
+          <a:bodyPr/>
+          <a:lstStyle/>
+          <a:p>
+            <a:endParaRPr lang="hu-HU"/>
+          </a:p>
+        </p:txBody>
       </p:sp>
       <p:sp>
         <p:nvSpPr>
@@ -5981,6 +6048,13 @@
             <a:schemeClr val="lt1"/>
           </a:fontRef>
         </p:style>
+        <p:txBody>
+          <a:bodyPr/>
+          <a:lstStyle/>
+          <a:p>
+            <a:endParaRPr lang="hu-HU"/>
+          </a:p>
+        </p:txBody>
       </p:sp>
       <p:sp>
         <p:nvSpPr>
@@ -6035,6 +6109,13 @@
             <a:schemeClr val="lt1"/>
           </a:fontRef>
         </p:style>
+        <p:txBody>
+          <a:bodyPr/>
+          <a:lstStyle/>
+          <a:p>
+            <a:endParaRPr lang="hu-HU"/>
+          </a:p>
+        </p:txBody>
       </p:sp>
       <p:sp>
         <p:nvSpPr>
@@ -6268,6 +6349,13 @@
             <a:schemeClr val="lt1"/>
           </a:fontRef>
         </p:style>
+        <p:txBody>
+          <a:bodyPr/>
+          <a:lstStyle/>
+          <a:p>
+            <a:endParaRPr lang="hu-HU"/>
+          </a:p>
+        </p:txBody>
       </p:sp>
       <p:sp>
         <p:nvSpPr>
@@ -6322,6 +6410,13 @@
             <a:schemeClr val="lt1"/>
           </a:fontRef>
         </p:style>
+        <p:txBody>
+          <a:bodyPr/>
+          <a:lstStyle/>
+          <a:p>
+            <a:endParaRPr lang="hu-HU"/>
+          </a:p>
+        </p:txBody>
       </p:sp>
       <p:sp>
         <p:nvSpPr>
@@ -6583,6 +6678,13 @@
             <a:schemeClr val="lt1"/>
           </a:fontRef>
         </p:style>
+        <p:txBody>
+          <a:bodyPr/>
+          <a:lstStyle/>
+          <a:p>
+            <a:endParaRPr lang="hu-HU"/>
+          </a:p>
+        </p:txBody>
       </p:sp>
       <p:sp>
         <p:nvSpPr>
@@ -6637,6 +6739,13 @@
             <a:schemeClr val="lt1"/>
           </a:fontRef>
         </p:style>
+        <p:txBody>
+          <a:bodyPr/>
+          <a:lstStyle/>
+          <a:p>
+            <a:endParaRPr lang="hu-HU"/>
+          </a:p>
+        </p:txBody>
       </p:sp>
       <p:sp>
         <p:nvSpPr>
@@ -6691,6 +6800,13 @@
             <a:schemeClr val="lt1"/>
           </a:fontRef>
         </p:style>
+        <p:txBody>
+          <a:bodyPr/>
+          <a:lstStyle/>
+          <a:p>
+            <a:endParaRPr lang="hu-HU"/>
+          </a:p>
+        </p:txBody>
       </p:sp>
       <p:sp>
         <p:nvSpPr>
@@ -6745,6 +6861,13 @@
             <a:schemeClr val="lt1"/>
           </a:fontRef>
         </p:style>
+        <p:txBody>
+          <a:bodyPr/>
+          <a:lstStyle/>
+          <a:p>
+            <a:endParaRPr lang="hu-HU"/>
+          </a:p>
+        </p:txBody>
       </p:sp>
       <p:sp useBgFill="1">
         <p:nvSpPr>
@@ -6947,6 +7070,13 @@
             <a:schemeClr val="lt1"/>
           </a:fontRef>
         </p:style>
+        <p:txBody>
+          <a:bodyPr/>
+          <a:lstStyle/>
+          <a:p>
+            <a:endParaRPr lang="hu-HU"/>
+          </a:p>
+        </p:txBody>
       </p:sp>
       <p:sp>
         <p:nvSpPr>
@@ -7001,6 +7131,13 @@
             <a:schemeClr val="lt1"/>
           </a:fontRef>
         </p:style>
+        <p:txBody>
+          <a:bodyPr/>
+          <a:lstStyle/>
+          <a:p>
+            <a:endParaRPr lang="hu-HU"/>
+          </a:p>
+        </p:txBody>
       </p:sp>
       <p:sp>
         <p:nvSpPr>
@@ -7055,6 +7192,13 @@
             <a:schemeClr val="lt1"/>
           </a:fontRef>
         </p:style>
+        <p:txBody>
+          <a:bodyPr/>
+          <a:lstStyle/>
+          <a:p>
+            <a:endParaRPr lang="hu-HU"/>
+          </a:p>
+        </p:txBody>
       </p:sp>
       <p:pic>
         <p:nvPicPr>
@@ -7132,6 +7276,170 @@
 </file>
 
 <file path=ppt/slides/slide6.xml><?xml version="1.0" encoding="utf-8"?>
+<p:sld xmlns:a="http://schemas.openxmlformats.org/drawingml/2006/main" xmlns:r="http://schemas.openxmlformats.org/officeDocument/2006/relationships" xmlns:p="http://schemas.openxmlformats.org/presentationml/2006/main">
+  <p:cSld>
+    <p:spTree>
+      <p:nvGrpSpPr>
+        <p:cNvPr id="1" name="">
+          <a:extLst>
+            <a:ext uri="{FF2B5EF4-FFF2-40B4-BE49-F238E27FC236}">
+              <a16:creationId xmlns:a16="http://schemas.microsoft.com/office/drawing/2014/main" id="{12318A89-65F9-ACE5-6BED-4717D403300A}"/>
+            </a:ext>
+          </a:extLst>
+        </p:cNvPr>
+        <p:cNvGrpSpPr/>
+        <p:nvPr/>
+      </p:nvGrpSpPr>
+      <p:grpSpPr>
+        <a:xfrm>
+          <a:off x="0" y="0"/>
+          <a:ext cx="0" cy="0"/>
+          <a:chOff x="0" y="0"/>
+          <a:chExt cx="0" cy="0"/>
+        </a:xfrm>
+      </p:grpSpPr>
+      <p:sp>
+        <p:nvSpPr>
+          <p:cNvPr id="2" name="Cím 1">
+            <a:extLst>
+              <a:ext uri="{FF2B5EF4-FFF2-40B4-BE49-F238E27FC236}">
+                <a16:creationId xmlns:a16="http://schemas.microsoft.com/office/drawing/2014/main" id="{12860461-E856-E30D-A609-042C8FF15DCA}"/>
+              </a:ext>
+            </a:extLst>
+          </p:cNvPr>
+          <p:cNvSpPr>
+            <a:spLocks noGrp="1"/>
+          </p:cNvSpPr>
+          <p:nvPr>
+            <p:ph type="title"/>
+          </p:nvPr>
+        </p:nvSpPr>
+        <p:spPr/>
+        <p:txBody>
+          <a:bodyPr/>
+          <a:lstStyle/>
+          <a:p>
+            <a:r>
+              <a:rPr lang="hu-HU" dirty="0"/>
+              <a:t>pontozás</a:t>
+            </a:r>
+          </a:p>
+        </p:txBody>
+      </p:sp>
+      <p:sp>
+        <p:nvSpPr>
+          <p:cNvPr id="4" name="Tartalom helye 3">
+            <a:extLst>
+              <a:ext uri="{FF2B5EF4-FFF2-40B4-BE49-F238E27FC236}">
+                <a16:creationId xmlns:a16="http://schemas.microsoft.com/office/drawing/2014/main" id="{1C76E898-C66C-C415-B38F-703B5B0AF632}"/>
+              </a:ext>
+            </a:extLst>
+          </p:cNvPr>
+          <p:cNvSpPr>
+            <a:spLocks noGrp="1"/>
+          </p:cNvSpPr>
+          <p:nvPr>
+            <p:ph sz="half" idx="2"/>
+          </p:nvPr>
+        </p:nvSpPr>
+        <p:spPr>
+          <a:xfrm>
+            <a:off x="581193" y="2037532"/>
+            <a:ext cx="5194766" cy="2934999"/>
+          </a:xfrm>
+        </p:spPr>
+        <p:txBody>
+          <a:bodyPr>
+            <a:normAutofit/>
+          </a:bodyPr>
+          <a:lstStyle/>
+          <a:p>
+            <a:r>
+              <a:rPr lang="hu-HU" sz="1600" dirty="0"/>
+              <a:t>Vizsgálni kell, hogy a labda beütése szabályos volt-e</a:t>
+            </a:r>
+          </a:p>
+          <a:p>
+            <a:r>
+              <a:rPr lang="hu-HU" sz="1600" dirty="0"/>
+              <a:t>Bizonyos labdák néha nincsenek érzékelve (barna) egy pár </a:t>
+            </a:r>
+            <a:r>
+              <a:rPr lang="hu-HU" sz="1600" dirty="0" err="1"/>
+              <a:t>frame-ig</a:t>
+            </a:r>
+            <a:endParaRPr lang="hu-HU" sz="1600" dirty="0"/>
+          </a:p>
+          <a:p>
+            <a:r>
+              <a:rPr lang="hu-HU" sz="1600" dirty="0" err="1"/>
+              <a:t>Bufferek</a:t>
+            </a:r>
+            <a:r>
+              <a:rPr lang="hu-HU" sz="1600" dirty="0"/>
+              <a:t> alkalmazása</a:t>
+            </a:r>
+          </a:p>
+          <a:p>
+            <a:r>
+              <a:rPr lang="hu-HU" sz="1600" dirty="0"/>
+              <a:t>A jól érzékelhető golyóknál kisebb </a:t>
+            </a:r>
+            <a:r>
+              <a:rPr lang="hu-HU" sz="1600" dirty="0" err="1"/>
+              <a:t>buffer</a:t>
+            </a:r>
+            <a:r>
+              <a:rPr lang="hu-HU" sz="1600" dirty="0"/>
+              <a:t>, a rosszabbaknál nagyobb</a:t>
+            </a:r>
+          </a:p>
+        </p:txBody>
+      </p:sp>
+      <p:pic>
+        <p:nvPicPr>
+          <p:cNvPr id="15" name="Kép 14">
+            <a:extLst>
+              <a:ext uri="{FF2B5EF4-FFF2-40B4-BE49-F238E27FC236}">
+                <a16:creationId xmlns:a16="http://schemas.microsoft.com/office/drawing/2014/main" id="{B3665724-2EF9-F480-6401-391AC1271336}"/>
+              </a:ext>
+            </a:extLst>
+          </p:cNvPr>
+          <p:cNvPicPr>
+            <a:picLocks noChangeAspect="1"/>
+          </p:cNvPicPr>
+          <p:nvPr/>
+        </p:nvPicPr>
+        <p:blipFill>
+          <a:blip r:embed="rId2"/>
+          <a:stretch>
+            <a:fillRect/>
+          </a:stretch>
+        </p:blipFill>
+        <p:spPr>
+          <a:xfrm>
+            <a:off x="5461633" y="1717990"/>
+            <a:ext cx="6650217" cy="3422021"/>
+          </a:xfrm>
+          <a:prstGeom prst="rect">
+            <a:avLst/>
+          </a:prstGeom>
+        </p:spPr>
+      </p:pic>
+    </p:spTree>
+    <p:extLst>
+      <p:ext uri="{BB962C8B-B14F-4D97-AF65-F5344CB8AC3E}">
+        <p14:creationId xmlns:p14="http://schemas.microsoft.com/office/powerpoint/2010/main" val="1445214848"/>
+      </p:ext>
+    </p:extLst>
+  </p:cSld>
+  <p:clrMapOvr>
+    <a:masterClrMapping/>
+  </p:clrMapOvr>
+</p:sld>
+</file>
+
+<file path=ppt/slides/slide7.xml><?xml version="1.0" encoding="utf-8"?>
 <p:sld xmlns:a="http://schemas.openxmlformats.org/drawingml/2006/main" xmlns:r="http://schemas.openxmlformats.org/officeDocument/2006/relationships" xmlns:p="http://schemas.openxmlformats.org/presentationml/2006/main">
   <p:cSld>
     <p:spTree>

--- a/Snooker.pptx
+++ b/Snooker.pptx
@@ -11,7 +11,8 @@
     <p:sldId id="259" r:id="rId5"/>
     <p:sldId id="260" r:id="rId6"/>
     <p:sldId id="262" r:id="rId7"/>
-    <p:sldId id="261" r:id="rId8"/>
+    <p:sldId id="263" r:id="rId8"/>
+    <p:sldId id="261" r:id="rId9"/>
   </p:sldIdLst>
   <p:sldSz cx="12192000" cy="6858000"/>
   <p:notesSz cx="6858000" cy="9144000"/>
@@ -121,687 +122,9 @@
 <file path=ppt/revisionInfo.xml><?xml version="1.0" encoding="utf-8"?>
 <p1510:revInfo xmlns:a="http://schemas.openxmlformats.org/drawingml/2006/main" xmlns:r="http://schemas.openxmlformats.org/officeDocument/2006/relationships" xmlns:p1510="http://schemas.microsoft.com/office/powerpoint/2015/10/main">
   <p1510:revLst>
-    <p1510:client id="{48BCAD7F-BA0E-4BFD-B168-6097C7788D10}" v="411" dt="2025-11-26T19:21:28.766"/>
+    <p1510:client id="{5EEE699B-A6E6-48F5-B588-B3C25135AA30}" v="160" dt="2025-11-29T16:32:16.520"/>
   </p1510:revLst>
 </p1510:revInfo>
-</file>
-
-<file path=ppt/changesInfos/changesInfo1.xml><?xml version="1.0" encoding="utf-8"?>
-<pc:chgInfo xmlns:a="http://schemas.openxmlformats.org/drawingml/2006/main" xmlns:r="http://schemas.openxmlformats.org/officeDocument/2006/relationships" xmlns:ac="http://schemas.microsoft.com/office/drawing/2013/main/command" xmlns:pc="http://schemas.microsoft.com/office/powerpoint/2013/main/command">
-  <pc:docChgLst>
-    <pc:chgData name="Erik Csipak" userId="10b6620274b26068" providerId="Windows Live" clId="Web-{48BCAD7F-BA0E-4BFD-B168-6097C7788D10}"/>
-    <pc:docChg chg="addSld modSld addMainMaster delMainMaster">
-      <pc:chgData name="Erik Csipak" userId="10b6620274b26068" providerId="Windows Live" clId="Web-{48BCAD7F-BA0E-4BFD-B168-6097C7788D10}" dt="2025-11-26T19:21:28.766" v="370" actId="20577"/>
-      <pc:docMkLst>
-        <pc:docMk/>
-      </pc:docMkLst>
-      <pc:sldChg chg="addSp modSp mod setBg modClrScheme setClrOvrMap chgLayout">
-        <pc:chgData name="Erik Csipak" userId="10b6620274b26068" providerId="Windows Live" clId="Web-{48BCAD7F-BA0E-4BFD-B168-6097C7788D10}" dt="2025-11-26T19:07:42.018" v="31" actId="20577"/>
-        <pc:sldMkLst>
-          <pc:docMk/>
-          <pc:sldMk cId="4266748471" sldId="256"/>
-        </pc:sldMkLst>
-        <pc:spChg chg="mod">
-          <ac:chgData name="Erik Csipak" userId="10b6620274b26068" providerId="Windows Live" clId="Web-{48BCAD7F-BA0E-4BFD-B168-6097C7788D10}" dt="2025-11-26T19:06:24.553" v="1" actId="20577"/>
-          <ac:spMkLst>
-            <pc:docMk/>
-            <pc:sldMk cId="4266748471" sldId="256"/>
-            <ac:spMk id="2" creationId="{00000000-0000-0000-0000-000000000000}"/>
-          </ac:spMkLst>
-        </pc:spChg>
-        <pc:spChg chg="mod">
-          <ac:chgData name="Erik Csipak" userId="10b6620274b26068" providerId="Windows Live" clId="Web-{48BCAD7F-BA0E-4BFD-B168-6097C7788D10}" dt="2025-11-26T19:07:42.018" v="31" actId="20577"/>
-          <ac:spMkLst>
-            <pc:docMk/>
-            <pc:sldMk cId="4266748471" sldId="256"/>
-            <ac:spMk id="3" creationId="{00000000-0000-0000-0000-000000000000}"/>
-          </ac:spMkLst>
-        </pc:spChg>
-        <pc:spChg chg="add">
-          <ac:chgData name="Erik Csipak" userId="10b6620274b26068" providerId="Windows Live" clId="Web-{48BCAD7F-BA0E-4BFD-B168-6097C7788D10}" dt="2025-11-26T19:06:18.598" v="0"/>
-          <ac:spMkLst>
-            <pc:docMk/>
-            <pc:sldMk cId="4266748471" sldId="256"/>
-            <ac:spMk id="9" creationId="{E08D4B6A-8113-4DFB-B82E-B60CAC8E0A50}"/>
-          </ac:spMkLst>
-        </pc:spChg>
-        <pc:spChg chg="add">
-          <ac:chgData name="Erik Csipak" userId="10b6620274b26068" providerId="Windows Live" clId="Web-{48BCAD7F-BA0E-4BFD-B168-6097C7788D10}" dt="2025-11-26T19:06:18.598" v="0"/>
-          <ac:spMkLst>
-            <pc:docMk/>
-            <pc:sldMk cId="4266748471" sldId="256"/>
-            <ac:spMk id="11" creationId="{9822E561-F97C-4CBB-A9A6-A6BF6317BC84}"/>
-          </ac:spMkLst>
-        </pc:spChg>
-        <pc:spChg chg="add">
-          <ac:chgData name="Erik Csipak" userId="10b6620274b26068" providerId="Windows Live" clId="Web-{48BCAD7F-BA0E-4BFD-B168-6097C7788D10}" dt="2025-11-26T19:06:18.598" v="0"/>
-          <ac:spMkLst>
-            <pc:docMk/>
-            <pc:sldMk cId="4266748471" sldId="256"/>
-            <ac:spMk id="13" creationId="{B01B0E58-A5C8-4CDA-A2E0-35DF94E59857}"/>
-          </ac:spMkLst>
-        </pc:spChg>
-        <pc:picChg chg="add">
-          <ac:chgData name="Erik Csipak" userId="10b6620274b26068" providerId="Windows Live" clId="Web-{48BCAD7F-BA0E-4BFD-B168-6097C7788D10}" dt="2025-11-26T19:06:18.598" v="0"/>
-          <ac:picMkLst>
-            <pc:docMk/>
-            <pc:sldMk cId="4266748471" sldId="256"/>
-            <ac:picMk id="4" creationId="{9D879D27-36DA-1D6F-7224-A8D725C3E6C3}"/>
-          </ac:picMkLst>
-        </pc:picChg>
-      </pc:sldChg>
-      <pc:sldChg chg="addSp delSp modSp new mod setBg setClrOvrMap">
-        <pc:chgData name="Erik Csipak" userId="10b6620274b26068" providerId="Windows Live" clId="Web-{48BCAD7F-BA0E-4BFD-B168-6097C7788D10}" dt="2025-11-26T19:20:54.484" v="350" actId="20577"/>
-        <pc:sldMkLst>
-          <pc:docMk/>
-          <pc:sldMk cId="1155107039" sldId="257"/>
-        </pc:sldMkLst>
-        <pc:spChg chg="mod">
-          <ac:chgData name="Erik Csipak" userId="10b6620274b26068" providerId="Windows Live" clId="Web-{48BCAD7F-BA0E-4BFD-B168-6097C7788D10}" dt="2025-11-26T19:09:25.093" v="96"/>
-          <ac:spMkLst>
-            <pc:docMk/>
-            <pc:sldMk cId="1155107039" sldId="257"/>
-            <ac:spMk id="2" creationId="{D5A2370A-E440-3469-CA32-3FA7C74E8156}"/>
-          </ac:spMkLst>
-        </pc:spChg>
-        <pc:spChg chg="del">
-          <ac:chgData name="Erik Csipak" userId="10b6620274b26068" providerId="Windows Live" clId="Web-{48BCAD7F-BA0E-4BFD-B168-6097C7788D10}" dt="2025-11-26T19:09:14.904" v="94"/>
-          <ac:spMkLst>
-            <pc:docMk/>
-            <pc:sldMk cId="1155107039" sldId="257"/>
-            <ac:spMk id="3" creationId="{F604C46D-4950-F788-BA50-2F1B50FF5F52}"/>
-          </ac:spMkLst>
-        </pc:spChg>
-        <pc:spChg chg="mod">
-          <ac:chgData name="Erik Csipak" userId="10b6620274b26068" providerId="Windows Live" clId="Web-{48BCAD7F-BA0E-4BFD-B168-6097C7788D10}" dt="2025-11-26T19:20:54.484" v="350" actId="20577"/>
-          <ac:spMkLst>
-            <pc:docMk/>
-            <pc:sldMk cId="1155107039" sldId="257"/>
-            <ac:spMk id="4" creationId="{36BFE3D7-FC16-D94D-5558-D6B98768CEED}"/>
-          </ac:spMkLst>
-        </pc:spChg>
-        <pc:spChg chg="add">
-          <ac:chgData name="Erik Csipak" userId="10b6620274b26068" providerId="Windows Live" clId="Web-{48BCAD7F-BA0E-4BFD-B168-6097C7788D10}" dt="2025-11-26T19:09:25.093" v="96"/>
-          <ac:spMkLst>
-            <pc:docMk/>
-            <pc:sldMk cId="1155107039" sldId="257"/>
-            <ac:spMk id="10" creationId="{E6C8E6EB-4C59-429B-97E4-72A058CFC4FB}"/>
-          </ac:spMkLst>
-        </pc:spChg>
-        <pc:spChg chg="add">
-          <ac:chgData name="Erik Csipak" userId="10b6620274b26068" providerId="Windows Live" clId="Web-{48BCAD7F-BA0E-4BFD-B168-6097C7788D10}" dt="2025-11-26T19:09:25.093" v="96"/>
-          <ac:spMkLst>
-            <pc:docMk/>
-            <pc:sldMk cId="1155107039" sldId="257"/>
-            <ac:spMk id="12" creationId="{B5B90362-AFCC-46A9-B41C-A257A8C5B314}"/>
-          </ac:spMkLst>
-        </pc:spChg>
-        <pc:spChg chg="add">
-          <ac:chgData name="Erik Csipak" userId="10b6620274b26068" providerId="Windows Live" clId="Web-{48BCAD7F-BA0E-4BFD-B168-6097C7788D10}" dt="2025-11-26T19:09:25.093" v="96"/>
-          <ac:spMkLst>
-            <pc:docMk/>
-            <pc:sldMk cId="1155107039" sldId="257"/>
-            <ac:spMk id="14" creationId="{F71EF7F1-38BA-471D-8CD4-2A9AE8E35527}"/>
-          </ac:spMkLst>
-        </pc:spChg>
-        <pc:spChg chg="add">
-          <ac:chgData name="Erik Csipak" userId="10b6620274b26068" providerId="Windows Live" clId="Web-{48BCAD7F-BA0E-4BFD-B168-6097C7788D10}" dt="2025-11-26T19:09:25.093" v="96"/>
-          <ac:spMkLst>
-            <pc:docMk/>
-            <pc:sldMk cId="1155107039" sldId="257"/>
-            <ac:spMk id="16" creationId="{1BB56EB9-078F-4952-AC1F-149C7A0AE4D5}"/>
-          </ac:spMkLst>
-        </pc:spChg>
-        <pc:spChg chg="add">
-          <ac:chgData name="Erik Csipak" userId="10b6620274b26068" providerId="Windows Live" clId="Web-{48BCAD7F-BA0E-4BFD-B168-6097C7788D10}" dt="2025-11-26T19:09:25.093" v="96"/>
-          <ac:spMkLst>
-            <pc:docMk/>
-            <pc:sldMk cId="1155107039" sldId="257"/>
-            <ac:spMk id="18" creationId="{D3772EE4-ED5E-4D3A-A306-B22CF866786D}"/>
-          </ac:spMkLst>
-        </pc:spChg>
-        <pc:spChg chg="add">
-          <ac:chgData name="Erik Csipak" userId="10b6620274b26068" providerId="Windows Live" clId="Web-{48BCAD7F-BA0E-4BFD-B168-6097C7788D10}" dt="2025-11-26T19:09:25.093" v="96"/>
-          <ac:spMkLst>
-            <pc:docMk/>
-            <pc:sldMk cId="1155107039" sldId="257"/>
-            <ac:spMk id="20" creationId="{10058680-D07C-4893-B2B7-91543F18AB32}"/>
-          </ac:spMkLst>
-        </pc:spChg>
-        <pc:spChg chg="add">
-          <ac:chgData name="Erik Csipak" userId="10b6620274b26068" providerId="Windows Live" clId="Web-{48BCAD7F-BA0E-4BFD-B168-6097C7788D10}" dt="2025-11-26T19:09:25.093" v="96"/>
-          <ac:spMkLst>
-            <pc:docMk/>
-            <pc:sldMk cId="1155107039" sldId="257"/>
-            <ac:spMk id="22" creationId="{7B42427A-0A1F-4A55-8705-D9179F1E0CFB}"/>
-          </ac:spMkLst>
-        </pc:spChg>
-        <pc:spChg chg="add">
-          <ac:chgData name="Erik Csipak" userId="10b6620274b26068" providerId="Windows Live" clId="Web-{48BCAD7F-BA0E-4BFD-B168-6097C7788D10}" dt="2025-11-26T19:09:25.093" v="96"/>
-          <ac:spMkLst>
-            <pc:docMk/>
-            <pc:sldMk cId="1155107039" sldId="257"/>
-            <ac:spMk id="24" creationId="{EE54A6FE-D8CB-48A3-900B-053D4EBD3B85}"/>
-          </ac:spMkLst>
-        </pc:spChg>
-        <pc:picChg chg="add mod ord">
-          <ac:chgData name="Erik Csipak" userId="10b6620274b26068" providerId="Windows Live" clId="Web-{48BCAD7F-BA0E-4BFD-B168-6097C7788D10}" dt="2025-11-26T19:09:17.561" v="95" actId="1076"/>
-          <ac:picMkLst>
-            <pc:docMk/>
-            <pc:sldMk cId="1155107039" sldId="257"/>
-            <ac:picMk id="5" creationId="{E0345BE6-97BA-6328-2144-CC0F7633F38D}"/>
-          </ac:picMkLst>
-        </pc:picChg>
-      </pc:sldChg>
-      <pc:sldChg chg="addSp delSp modSp new">
-        <pc:chgData name="Erik Csipak" userId="10b6620274b26068" providerId="Windows Live" clId="Web-{48BCAD7F-BA0E-4BFD-B168-6097C7788D10}" dt="2025-11-26T19:21:07.922" v="353" actId="20577"/>
-        <pc:sldMkLst>
-          <pc:docMk/>
-          <pc:sldMk cId="2216010159" sldId="258"/>
-        </pc:sldMkLst>
-        <pc:spChg chg="mod">
-          <ac:chgData name="Erik Csipak" userId="10b6620274b26068" providerId="Windows Live" clId="Web-{48BCAD7F-BA0E-4BFD-B168-6097C7788D10}" dt="2025-11-26T19:10:09.409" v="114" actId="20577"/>
-          <ac:spMkLst>
-            <pc:docMk/>
-            <pc:sldMk cId="2216010159" sldId="258"/>
-            <ac:spMk id="2" creationId="{57A9CE61-0075-A090-46DF-7C1EC055D74E}"/>
-          </ac:spMkLst>
-        </pc:spChg>
-        <pc:spChg chg="mod">
-          <ac:chgData name="Erik Csipak" userId="10b6620274b26068" providerId="Windows Live" clId="Web-{48BCAD7F-BA0E-4BFD-B168-6097C7788D10}" dt="2025-11-26T19:10:22.770" v="119" actId="20577"/>
-          <ac:spMkLst>
-            <pc:docMk/>
-            <pc:sldMk cId="2216010159" sldId="258"/>
-            <ac:spMk id="3" creationId="{086B0468-1FEF-CD29-3D09-D0AA9D9E51EF}"/>
-          </ac:spMkLst>
-        </pc:spChg>
-        <pc:spChg chg="mod">
-          <ac:chgData name="Erik Csipak" userId="10b6620274b26068" providerId="Windows Live" clId="Web-{48BCAD7F-BA0E-4BFD-B168-6097C7788D10}" dt="2025-11-26T19:21:07.922" v="353" actId="20577"/>
-          <ac:spMkLst>
-            <pc:docMk/>
-            <pc:sldMk cId="2216010159" sldId="258"/>
-            <ac:spMk id="4" creationId="{3A92CF40-03E1-956E-4ADA-A292E4649515}"/>
-          </ac:spMkLst>
-        </pc:spChg>
-        <pc:spChg chg="del mod">
-          <ac:chgData name="Erik Csipak" userId="10b6620274b26068" providerId="Windows Live" clId="Web-{48BCAD7F-BA0E-4BFD-B168-6097C7788D10}" dt="2025-11-26T19:11:26.665" v="178"/>
-          <ac:spMkLst>
-            <pc:docMk/>
-            <pc:sldMk cId="2216010159" sldId="258"/>
-            <ac:spMk id="5" creationId="{E7F34462-9C9D-AE0A-4F6C-683D5A517739}"/>
-          </ac:spMkLst>
-        </pc:spChg>
-        <pc:spChg chg="del">
-          <ac:chgData name="Erik Csipak" userId="10b6620274b26068" providerId="Windows Live" clId="Web-{48BCAD7F-BA0E-4BFD-B168-6097C7788D10}" dt="2025-11-26T19:10:37.099" v="128"/>
-          <ac:spMkLst>
-            <pc:docMk/>
-            <pc:sldMk cId="2216010159" sldId="258"/>
-            <ac:spMk id="6" creationId="{746656DF-A1FC-8168-1207-5A75BDC0E82F}"/>
-          </ac:spMkLst>
-        </pc:spChg>
-        <pc:spChg chg="add del mod">
-          <ac:chgData name="Erik Csipak" userId="10b6620274b26068" providerId="Windows Live" clId="Web-{48BCAD7F-BA0E-4BFD-B168-6097C7788D10}" dt="2025-11-26T19:12:34.998" v="189"/>
-          <ac:spMkLst>
-            <pc:docMk/>
-            <pc:sldMk cId="2216010159" sldId="258"/>
-            <ac:spMk id="9" creationId="{3D82BDEA-A96A-6D8F-FD42-1B78C306E348}"/>
-          </ac:spMkLst>
-        </pc:spChg>
-        <pc:spChg chg="add del mod">
-          <ac:chgData name="Erik Csipak" userId="10b6620274b26068" providerId="Windows Live" clId="Web-{48BCAD7F-BA0E-4BFD-B168-6097C7788D10}" dt="2025-11-26T19:12:31.841" v="188"/>
-          <ac:spMkLst>
-            <pc:docMk/>
-            <pc:sldMk cId="2216010159" sldId="258"/>
-            <ac:spMk id="11" creationId="{3FA46B79-E788-9876-C702-D6D5E32EE220}"/>
-          </ac:spMkLst>
-        </pc:spChg>
-        <pc:picChg chg="add del mod ord">
-          <ac:chgData name="Erik Csipak" userId="10b6620274b26068" providerId="Windows Live" clId="Web-{48BCAD7F-BA0E-4BFD-B168-6097C7788D10}" dt="2025-11-26T19:11:27.118" v="179"/>
-          <ac:picMkLst>
-            <pc:docMk/>
-            <pc:sldMk cId="2216010159" sldId="258"/>
-            <ac:picMk id="7" creationId="{0EC2D120-6044-8100-7917-9D9AC5A1084E}"/>
-          </ac:picMkLst>
-        </pc:picChg>
-        <pc:picChg chg="add mod ord modCrop">
-          <ac:chgData name="Erik Csipak" userId="10b6620274b26068" providerId="Windows Live" clId="Web-{48BCAD7F-BA0E-4BFD-B168-6097C7788D10}" dt="2025-11-26T19:16:01.585" v="216" actId="1076"/>
-          <ac:picMkLst>
-            <pc:docMk/>
-            <pc:sldMk cId="2216010159" sldId="258"/>
-            <ac:picMk id="12" creationId="{5AC581F4-C15C-3EA1-AD05-C231E5A5560A}"/>
-          </ac:picMkLst>
-        </pc:picChg>
-        <pc:picChg chg="add mod modCrop">
-          <ac:chgData name="Erik Csipak" userId="10b6620274b26068" providerId="Windows Live" clId="Web-{48BCAD7F-BA0E-4BFD-B168-6097C7788D10}" dt="2025-11-26T19:16:02.882" v="217" actId="1076"/>
-          <ac:picMkLst>
-            <pc:docMk/>
-            <pc:sldMk cId="2216010159" sldId="258"/>
-            <ac:picMk id="13" creationId="{B0312950-F1EB-A742-25B6-A2404B997221}"/>
-          </ac:picMkLst>
-        </pc:picChg>
-        <pc:picChg chg="add mod">
-          <ac:chgData name="Erik Csipak" userId="10b6620274b26068" providerId="Windows Live" clId="Web-{48BCAD7F-BA0E-4BFD-B168-6097C7788D10}" dt="2025-11-26T19:16:05.616" v="218" actId="1076"/>
-          <ac:picMkLst>
-            <pc:docMk/>
-            <pc:sldMk cId="2216010159" sldId="258"/>
-            <ac:picMk id="14" creationId="{EEFA49DB-4F3A-340C-FD63-3C5FC33C4EE7}"/>
-          </ac:picMkLst>
-        </pc:picChg>
-      </pc:sldChg>
-      <pc:sldChg chg="addSp delSp modSp new mod setBg">
-        <pc:chgData name="Erik Csipak" userId="10b6620274b26068" providerId="Windows Live" clId="Web-{48BCAD7F-BA0E-4BFD-B168-6097C7788D10}" dt="2025-11-26T19:21:28.766" v="370" actId="20577"/>
-        <pc:sldMkLst>
-          <pc:docMk/>
-          <pc:sldMk cId="841660123" sldId="259"/>
-        </pc:sldMkLst>
-        <pc:spChg chg="mod ord">
-          <ac:chgData name="Erik Csipak" userId="10b6620274b26068" providerId="Windows Live" clId="Web-{48BCAD7F-BA0E-4BFD-B168-6097C7788D10}" dt="2025-11-26T19:18:12.824" v="274"/>
-          <ac:spMkLst>
-            <pc:docMk/>
-            <pc:sldMk cId="841660123" sldId="259"/>
-            <ac:spMk id="2" creationId="{4576A28E-6C87-475B-1950-8C853609275A}"/>
-          </ac:spMkLst>
-        </pc:spChg>
-        <pc:spChg chg="del">
-          <ac:chgData name="Erik Csipak" userId="10b6620274b26068" providerId="Windows Live" clId="Web-{48BCAD7F-BA0E-4BFD-B168-6097C7788D10}" dt="2025-11-26T19:17:19.291" v="260"/>
-          <ac:spMkLst>
-            <pc:docMk/>
-            <pc:sldMk cId="841660123" sldId="259"/>
-            <ac:spMk id="3" creationId="{D5A8B97A-C2A5-CD46-C0DF-C9ED396B3B1C}"/>
-          </ac:spMkLst>
-        </pc:spChg>
-        <pc:spChg chg="mod ord">
-          <ac:chgData name="Erik Csipak" userId="10b6620274b26068" providerId="Windows Live" clId="Web-{48BCAD7F-BA0E-4BFD-B168-6097C7788D10}" dt="2025-11-26T19:21:28.766" v="370" actId="20577"/>
-          <ac:spMkLst>
-            <pc:docMk/>
-            <pc:sldMk cId="841660123" sldId="259"/>
-            <ac:spMk id="4" creationId="{9A899203-4DA5-59B7-38AF-8F777D5D8A6C}"/>
-          </ac:spMkLst>
-        </pc:spChg>
-        <pc:spChg chg="add">
-          <ac:chgData name="Erik Csipak" userId="10b6620274b26068" providerId="Windows Live" clId="Web-{48BCAD7F-BA0E-4BFD-B168-6097C7788D10}" dt="2025-11-26T19:18:12.824" v="274"/>
-          <ac:spMkLst>
-            <pc:docMk/>
-            <pc:sldMk cId="841660123" sldId="259"/>
-            <ac:spMk id="11" creationId="{910015B9-6046-41B8-83BD-71778D2F9798}"/>
-          </ac:spMkLst>
-        </pc:spChg>
-        <pc:spChg chg="add">
-          <ac:chgData name="Erik Csipak" userId="10b6620274b26068" providerId="Windows Live" clId="Web-{48BCAD7F-BA0E-4BFD-B168-6097C7788D10}" dt="2025-11-26T19:18:12.824" v="274"/>
-          <ac:spMkLst>
-            <pc:docMk/>
-            <pc:sldMk cId="841660123" sldId="259"/>
-            <ac:spMk id="13" creationId="{53908232-52E2-4794-A6C1-54300FB98919}"/>
-          </ac:spMkLst>
-        </pc:spChg>
-        <pc:spChg chg="add">
-          <ac:chgData name="Erik Csipak" userId="10b6620274b26068" providerId="Windows Live" clId="Web-{48BCAD7F-BA0E-4BFD-B168-6097C7788D10}" dt="2025-11-26T19:18:12.824" v="274"/>
-          <ac:spMkLst>
-            <pc:docMk/>
-            <pc:sldMk cId="841660123" sldId="259"/>
-            <ac:spMk id="15" creationId="{D2B9299F-BED7-44C5-9CC5-E542F9193C2F}"/>
-          </ac:spMkLst>
-        </pc:spChg>
-        <pc:spChg chg="add">
-          <ac:chgData name="Erik Csipak" userId="10b6620274b26068" providerId="Windows Live" clId="Web-{48BCAD7F-BA0E-4BFD-B168-6097C7788D10}" dt="2025-11-26T19:18:12.824" v="274"/>
-          <ac:spMkLst>
-            <pc:docMk/>
-            <pc:sldMk cId="841660123" sldId="259"/>
-            <ac:spMk id="17" creationId="{00401440-1DC9-4C9E-A3BA-4DECEEB46503}"/>
-          </ac:spMkLst>
-        </pc:spChg>
-        <pc:spChg chg="add">
-          <ac:chgData name="Erik Csipak" userId="10b6620274b26068" providerId="Windows Live" clId="Web-{48BCAD7F-BA0E-4BFD-B168-6097C7788D10}" dt="2025-11-26T19:18:12.824" v="274"/>
-          <ac:spMkLst>
-            <pc:docMk/>
-            <pc:sldMk cId="841660123" sldId="259"/>
-            <ac:spMk id="21" creationId="{36B822CC-7DA9-4417-AA94-64CEB676F0B8}"/>
-          </ac:spMkLst>
-        </pc:spChg>
-        <pc:spChg chg="add">
-          <ac:chgData name="Erik Csipak" userId="10b6620274b26068" providerId="Windows Live" clId="Web-{48BCAD7F-BA0E-4BFD-B168-6097C7788D10}" dt="2025-11-26T19:18:12.824" v="274"/>
-          <ac:spMkLst>
-            <pc:docMk/>
-            <pc:sldMk cId="841660123" sldId="259"/>
-            <ac:spMk id="23" creationId="{AFA01E88-71CC-4FF3-9E81-51E0C32B45E4}"/>
-          </ac:spMkLst>
-        </pc:spChg>
-        <pc:picChg chg="add mod ord modCrop">
-          <ac:chgData name="Erik Csipak" userId="10b6620274b26068" providerId="Windows Live" clId="Web-{48BCAD7F-BA0E-4BFD-B168-6097C7788D10}" dt="2025-11-26T19:18:12.824" v="274"/>
-          <ac:picMkLst>
-            <pc:docMk/>
-            <pc:sldMk cId="841660123" sldId="259"/>
-            <ac:picMk id="5" creationId="{BC64E0EA-15B9-5BF7-9D39-036DB23E3045}"/>
-          </ac:picMkLst>
-        </pc:picChg>
-        <pc:picChg chg="add mod modCrop">
-          <ac:chgData name="Erik Csipak" userId="10b6620274b26068" providerId="Windows Live" clId="Web-{48BCAD7F-BA0E-4BFD-B168-6097C7788D10}" dt="2025-11-26T19:18:12.824" v="274"/>
-          <ac:picMkLst>
-            <pc:docMk/>
-            <pc:sldMk cId="841660123" sldId="259"/>
-            <ac:picMk id="6" creationId="{3455D18D-3879-84DA-DB51-40A85C818212}"/>
-          </ac:picMkLst>
-        </pc:picChg>
-      </pc:sldChg>
-      <pc:sldChg chg="addSp delSp modSp new mod setBg">
-        <pc:chgData name="Erik Csipak" userId="10b6620274b26068" providerId="Windows Live" clId="Web-{48BCAD7F-BA0E-4BFD-B168-6097C7788D10}" dt="2025-11-26T19:20:13.061" v="325"/>
-        <pc:sldMkLst>
-          <pc:docMk/>
-          <pc:sldMk cId="3114181186" sldId="260"/>
-        </pc:sldMkLst>
-        <pc:spChg chg="mod">
-          <ac:chgData name="Erik Csipak" userId="10b6620274b26068" providerId="Windows Live" clId="Web-{48BCAD7F-BA0E-4BFD-B168-6097C7788D10}" dt="2025-11-26T19:20:13.061" v="325"/>
-          <ac:spMkLst>
-            <pc:docMk/>
-            <pc:sldMk cId="3114181186" sldId="260"/>
-            <ac:spMk id="2" creationId="{A109E9D4-C144-1FC3-FEDE-ED8D7E7BC0A1}"/>
-          </ac:spMkLst>
-        </pc:spChg>
-        <pc:spChg chg="del">
-          <ac:chgData name="Erik Csipak" userId="10b6620274b26068" providerId="Windows Live" clId="Web-{48BCAD7F-BA0E-4BFD-B168-6097C7788D10}" dt="2025-11-26T19:19:02.919" v="302"/>
-          <ac:spMkLst>
-            <pc:docMk/>
-            <pc:sldMk cId="3114181186" sldId="260"/>
-            <ac:spMk id="3" creationId="{3FD52049-D8C6-700F-C430-484CD28DDC75}"/>
-          </ac:spMkLst>
-        </pc:spChg>
-        <pc:spChg chg="add mod">
-          <ac:chgData name="Erik Csipak" userId="10b6620274b26068" providerId="Windows Live" clId="Web-{48BCAD7F-BA0E-4BFD-B168-6097C7788D10}" dt="2025-11-26T19:20:13.061" v="325"/>
-          <ac:spMkLst>
-            <pc:docMk/>
-            <pc:sldMk cId="3114181186" sldId="260"/>
-            <ac:spMk id="5" creationId="{8A42F8CD-F2AA-EC6D-E967-A8E9353F048C}"/>
-          </ac:spMkLst>
-        </pc:spChg>
-        <pc:spChg chg="add">
-          <ac:chgData name="Erik Csipak" userId="10b6620274b26068" providerId="Windows Live" clId="Web-{48BCAD7F-BA0E-4BFD-B168-6097C7788D10}" dt="2025-11-26T19:20:13.061" v="325"/>
-          <ac:spMkLst>
-            <pc:docMk/>
-            <pc:sldMk cId="3114181186" sldId="260"/>
-            <ac:spMk id="11" creationId="{910015B9-6046-41B8-83BD-71778D2F9798}"/>
-          </ac:spMkLst>
-        </pc:spChg>
-        <pc:spChg chg="add">
-          <ac:chgData name="Erik Csipak" userId="10b6620274b26068" providerId="Windows Live" clId="Web-{48BCAD7F-BA0E-4BFD-B168-6097C7788D10}" dt="2025-11-26T19:20:13.061" v="325"/>
-          <ac:spMkLst>
-            <pc:docMk/>
-            <pc:sldMk cId="3114181186" sldId="260"/>
-            <ac:spMk id="13" creationId="{53908232-52E2-4794-A6C1-54300FB98919}"/>
-          </ac:spMkLst>
-        </pc:spChg>
-        <pc:spChg chg="add">
-          <ac:chgData name="Erik Csipak" userId="10b6620274b26068" providerId="Windows Live" clId="Web-{48BCAD7F-BA0E-4BFD-B168-6097C7788D10}" dt="2025-11-26T19:20:13.061" v="325"/>
-          <ac:spMkLst>
-            <pc:docMk/>
-            <pc:sldMk cId="3114181186" sldId="260"/>
-            <ac:spMk id="15" creationId="{D2B9299F-BED7-44C5-9CC5-E542F9193C2F}"/>
-          </ac:spMkLst>
-        </pc:spChg>
-        <pc:spChg chg="add">
-          <ac:chgData name="Erik Csipak" userId="10b6620274b26068" providerId="Windows Live" clId="Web-{48BCAD7F-BA0E-4BFD-B168-6097C7788D10}" dt="2025-11-26T19:20:13.061" v="325"/>
-          <ac:spMkLst>
-            <pc:docMk/>
-            <pc:sldMk cId="3114181186" sldId="260"/>
-            <ac:spMk id="17" creationId="{E9DDF273-E040-4765-AD05-872458E1370A}"/>
-          </ac:spMkLst>
-        </pc:spChg>
-        <pc:spChg chg="add">
-          <ac:chgData name="Erik Csipak" userId="10b6620274b26068" providerId="Windows Live" clId="Web-{48BCAD7F-BA0E-4BFD-B168-6097C7788D10}" dt="2025-11-26T19:20:13.061" v="325"/>
-          <ac:spMkLst>
-            <pc:docMk/>
-            <pc:sldMk cId="3114181186" sldId="260"/>
-            <ac:spMk id="19" creationId="{D6D7A0BC-0046-4CAA-8E7F-DCAFE511EA0E}"/>
-          </ac:spMkLst>
-        </pc:spChg>
-        <pc:spChg chg="add">
-          <ac:chgData name="Erik Csipak" userId="10b6620274b26068" providerId="Windows Live" clId="Web-{48BCAD7F-BA0E-4BFD-B168-6097C7788D10}" dt="2025-11-26T19:20:13.061" v="325"/>
-          <ac:spMkLst>
-            <pc:docMk/>
-            <pc:sldMk cId="3114181186" sldId="260"/>
-            <ac:spMk id="21" creationId="{E7C6334F-6411-41EC-AD7D-179EDD8B58CB}"/>
-          </ac:spMkLst>
-        </pc:spChg>
-        <pc:spChg chg="add">
-          <ac:chgData name="Erik Csipak" userId="10b6620274b26068" providerId="Windows Live" clId="Web-{48BCAD7F-BA0E-4BFD-B168-6097C7788D10}" dt="2025-11-26T19:20:13.061" v="325"/>
-          <ac:spMkLst>
-            <pc:docMk/>
-            <pc:sldMk cId="3114181186" sldId="260"/>
-            <ac:spMk id="23" creationId="{E6B02CEE-3AF8-4349-9B3E-8970E6DF62B3}"/>
-          </ac:spMkLst>
-        </pc:spChg>
-        <pc:spChg chg="add">
-          <ac:chgData name="Erik Csipak" userId="10b6620274b26068" providerId="Windows Live" clId="Web-{48BCAD7F-BA0E-4BFD-B168-6097C7788D10}" dt="2025-11-26T19:20:13.061" v="325"/>
-          <ac:spMkLst>
-            <pc:docMk/>
-            <pc:sldMk cId="3114181186" sldId="260"/>
-            <ac:spMk id="25" creationId="{AAA01CF0-3FB5-44EB-B7DE-F2E86374C2FB}"/>
-          </ac:spMkLst>
-        </pc:spChg>
-        <pc:picChg chg="add mod ord">
-          <ac:chgData name="Erik Csipak" userId="10b6620274b26068" providerId="Windows Live" clId="Web-{48BCAD7F-BA0E-4BFD-B168-6097C7788D10}" dt="2025-11-26T19:19:05.325" v="303" actId="1076"/>
-          <ac:picMkLst>
-            <pc:docMk/>
-            <pc:sldMk cId="3114181186" sldId="260"/>
-            <ac:picMk id="4" creationId="{3B348F20-802C-54EE-4E75-1A75AC087168}"/>
-          </ac:picMkLst>
-        </pc:picChg>
-        <pc:picChg chg="add mod">
-          <ac:chgData name="Erik Csipak" userId="10b6620274b26068" providerId="Windows Live" clId="Web-{48BCAD7F-BA0E-4BFD-B168-6097C7788D10}" dt="2025-11-26T19:20:02.561" v="324" actId="1076"/>
-          <ac:picMkLst>
-            <pc:docMk/>
-            <pc:sldMk cId="3114181186" sldId="260"/>
-            <ac:picMk id="6" creationId="{AE335F34-9CF1-8864-28C8-CAFDD9A08133}"/>
-          </ac:picMkLst>
-        </pc:picChg>
-      </pc:sldChg>
-      <pc:sldChg chg="addSp modSp new">
-        <pc:chgData name="Erik Csipak" userId="10b6620274b26068" providerId="Windows Live" clId="Web-{48BCAD7F-BA0E-4BFD-B168-6097C7788D10}" dt="2025-11-26T19:20:36.155" v="332" actId="1076"/>
-        <pc:sldMkLst>
-          <pc:docMk/>
-          <pc:sldMk cId="194421309" sldId="261"/>
-        </pc:sldMkLst>
-        <pc:spChg chg="add mod">
-          <ac:chgData name="Erik Csipak" userId="10b6620274b26068" providerId="Windows Live" clId="Web-{48BCAD7F-BA0E-4BFD-B168-6097C7788D10}" dt="2025-11-26T19:20:36.155" v="332" actId="1076"/>
-          <ac:spMkLst>
-            <pc:docMk/>
-            <pc:sldMk cId="194421309" sldId="261"/>
-            <ac:spMk id="2" creationId="{E84A3881-7F2F-EA6B-1357-C3B946A10C0B}"/>
-          </ac:spMkLst>
-        </pc:spChg>
-      </pc:sldChg>
-      <pc:sldMasterChg chg="del delSldLayout">
-        <pc:chgData name="Erik Csipak" userId="10b6620274b26068" providerId="Windows Live" clId="Web-{48BCAD7F-BA0E-4BFD-B168-6097C7788D10}" dt="2025-11-26T19:06:18.598" v="0"/>
-        <pc:sldMasterMkLst>
-          <pc:docMk/>
-          <pc:sldMasterMk cId="798062927" sldId="2147483648"/>
-        </pc:sldMasterMkLst>
-        <pc:sldLayoutChg chg="del">
-          <pc:chgData name="Erik Csipak" userId="10b6620274b26068" providerId="Windows Live" clId="Web-{48BCAD7F-BA0E-4BFD-B168-6097C7788D10}" dt="2025-11-26T19:06:18.598" v="0"/>
-          <pc:sldLayoutMkLst>
-            <pc:docMk/>
-            <pc:sldMasterMk cId="798062927" sldId="2147483648"/>
-            <pc:sldLayoutMk cId="1331746569" sldId="2147483649"/>
-          </pc:sldLayoutMkLst>
-        </pc:sldLayoutChg>
-        <pc:sldLayoutChg chg="del">
-          <pc:chgData name="Erik Csipak" userId="10b6620274b26068" providerId="Windows Live" clId="Web-{48BCAD7F-BA0E-4BFD-B168-6097C7788D10}" dt="2025-11-26T19:06:18.598" v="0"/>
-          <pc:sldLayoutMkLst>
-            <pc:docMk/>
-            <pc:sldMasterMk cId="798062927" sldId="2147483648"/>
-            <pc:sldLayoutMk cId="3810502996" sldId="2147483650"/>
-          </pc:sldLayoutMkLst>
-        </pc:sldLayoutChg>
-        <pc:sldLayoutChg chg="del">
-          <pc:chgData name="Erik Csipak" userId="10b6620274b26068" providerId="Windows Live" clId="Web-{48BCAD7F-BA0E-4BFD-B168-6097C7788D10}" dt="2025-11-26T19:06:18.598" v="0"/>
-          <pc:sldLayoutMkLst>
-            <pc:docMk/>
-            <pc:sldMasterMk cId="798062927" sldId="2147483648"/>
-            <pc:sldLayoutMk cId="1356358126" sldId="2147483651"/>
-          </pc:sldLayoutMkLst>
-        </pc:sldLayoutChg>
-        <pc:sldLayoutChg chg="del">
-          <pc:chgData name="Erik Csipak" userId="10b6620274b26068" providerId="Windows Live" clId="Web-{48BCAD7F-BA0E-4BFD-B168-6097C7788D10}" dt="2025-11-26T19:06:18.598" v="0"/>
-          <pc:sldLayoutMkLst>
-            <pc:docMk/>
-            <pc:sldMasterMk cId="798062927" sldId="2147483648"/>
-            <pc:sldLayoutMk cId="324695496" sldId="2147483652"/>
-          </pc:sldLayoutMkLst>
-        </pc:sldLayoutChg>
-        <pc:sldLayoutChg chg="del">
-          <pc:chgData name="Erik Csipak" userId="10b6620274b26068" providerId="Windows Live" clId="Web-{48BCAD7F-BA0E-4BFD-B168-6097C7788D10}" dt="2025-11-26T19:06:18.598" v="0"/>
-          <pc:sldLayoutMkLst>
-            <pc:docMk/>
-            <pc:sldMasterMk cId="798062927" sldId="2147483648"/>
-            <pc:sldLayoutMk cId="3429168541" sldId="2147483653"/>
-          </pc:sldLayoutMkLst>
-        </pc:sldLayoutChg>
-        <pc:sldLayoutChg chg="del">
-          <pc:chgData name="Erik Csipak" userId="10b6620274b26068" providerId="Windows Live" clId="Web-{48BCAD7F-BA0E-4BFD-B168-6097C7788D10}" dt="2025-11-26T19:06:18.598" v="0"/>
-          <pc:sldLayoutMkLst>
-            <pc:docMk/>
-            <pc:sldMasterMk cId="798062927" sldId="2147483648"/>
-            <pc:sldLayoutMk cId="3997832783" sldId="2147483654"/>
-          </pc:sldLayoutMkLst>
-        </pc:sldLayoutChg>
-        <pc:sldLayoutChg chg="del">
-          <pc:chgData name="Erik Csipak" userId="10b6620274b26068" providerId="Windows Live" clId="Web-{48BCAD7F-BA0E-4BFD-B168-6097C7788D10}" dt="2025-11-26T19:06:18.598" v="0"/>
-          <pc:sldLayoutMkLst>
-            <pc:docMk/>
-            <pc:sldMasterMk cId="798062927" sldId="2147483648"/>
-            <pc:sldLayoutMk cId="1078127673" sldId="2147483655"/>
-          </pc:sldLayoutMkLst>
-        </pc:sldLayoutChg>
-        <pc:sldLayoutChg chg="del">
-          <pc:chgData name="Erik Csipak" userId="10b6620274b26068" providerId="Windows Live" clId="Web-{48BCAD7F-BA0E-4BFD-B168-6097C7788D10}" dt="2025-11-26T19:06:18.598" v="0"/>
-          <pc:sldLayoutMkLst>
-            <pc:docMk/>
-            <pc:sldMasterMk cId="798062927" sldId="2147483648"/>
-            <pc:sldLayoutMk cId="2903084306" sldId="2147483656"/>
-          </pc:sldLayoutMkLst>
-        </pc:sldLayoutChg>
-        <pc:sldLayoutChg chg="del">
-          <pc:chgData name="Erik Csipak" userId="10b6620274b26068" providerId="Windows Live" clId="Web-{48BCAD7F-BA0E-4BFD-B168-6097C7788D10}" dt="2025-11-26T19:06:18.598" v="0"/>
-          <pc:sldLayoutMkLst>
-            <pc:docMk/>
-            <pc:sldMasterMk cId="798062927" sldId="2147483648"/>
-            <pc:sldLayoutMk cId="1883066043" sldId="2147483657"/>
-          </pc:sldLayoutMkLst>
-        </pc:sldLayoutChg>
-        <pc:sldLayoutChg chg="del">
-          <pc:chgData name="Erik Csipak" userId="10b6620274b26068" providerId="Windows Live" clId="Web-{48BCAD7F-BA0E-4BFD-B168-6097C7788D10}" dt="2025-11-26T19:06:18.598" v="0"/>
-          <pc:sldLayoutMkLst>
-            <pc:docMk/>
-            <pc:sldMasterMk cId="798062927" sldId="2147483648"/>
-            <pc:sldLayoutMk cId="1663091269" sldId="2147483658"/>
-          </pc:sldLayoutMkLst>
-        </pc:sldLayoutChg>
-        <pc:sldLayoutChg chg="del">
-          <pc:chgData name="Erik Csipak" userId="10b6620274b26068" providerId="Windows Live" clId="Web-{48BCAD7F-BA0E-4BFD-B168-6097C7788D10}" dt="2025-11-26T19:06:18.598" v="0"/>
-          <pc:sldLayoutMkLst>
-            <pc:docMk/>
-            <pc:sldMasterMk cId="798062927" sldId="2147483648"/>
-            <pc:sldLayoutMk cId="1772255771" sldId="2147483659"/>
-          </pc:sldLayoutMkLst>
-        </pc:sldLayoutChg>
-      </pc:sldMasterChg>
-      <pc:sldMasterChg chg="add addSldLayout">
-        <pc:chgData name="Erik Csipak" userId="10b6620274b26068" providerId="Windows Live" clId="Web-{48BCAD7F-BA0E-4BFD-B168-6097C7788D10}" dt="2025-11-26T19:06:18.598" v="0"/>
-        <pc:sldMasterMkLst>
-          <pc:docMk/>
-          <pc:sldMasterMk cId="45136931" sldId="2147483751"/>
-        </pc:sldMasterMkLst>
-        <pc:sldLayoutChg chg="add">
-          <pc:chgData name="Erik Csipak" userId="10b6620274b26068" providerId="Windows Live" clId="Web-{48BCAD7F-BA0E-4BFD-B168-6097C7788D10}" dt="2025-11-26T19:06:18.598" v="0"/>
-          <pc:sldLayoutMkLst>
-            <pc:docMk/>
-            <pc:sldMasterMk cId="45136931" sldId="2147483751"/>
-            <pc:sldLayoutMk cId="518877611" sldId="2147483740"/>
-          </pc:sldLayoutMkLst>
-        </pc:sldLayoutChg>
-        <pc:sldLayoutChg chg="add">
-          <pc:chgData name="Erik Csipak" userId="10b6620274b26068" providerId="Windows Live" clId="Web-{48BCAD7F-BA0E-4BFD-B168-6097C7788D10}" dt="2025-11-26T19:06:18.598" v="0"/>
-          <pc:sldLayoutMkLst>
-            <pc:docMk/>
-            <pc:sldMasterMk cId="45136931" sldId="2147483751"/>
-            <pc:sldLayoutMk cId="12768567" sldId="2147483741"/>
-          </pc:sldLayoutMkLst>
-        </pc:sldLayoutChg>
-        <pc:sldLayoutChg chg="add">
-          <pc:chgData name="Erik Csipak" userId="10b6620274b26068" providerId="Windows Live" clId="Web-{48BCAD7F-BA0E-4BFD-B168-6097C7788D10}" dt="2025-11-26T19:06:18.598" v="0"/>
-          <pc:sldLayoutMkLst>
-            <pc:docMk/>
-            <pc:sldMasterMk cId="45136931" sldId="2147483751"/>
-            <pc:sldLayoutMk cId="1507805453" sldId="2147483742"/>
-          </pc:sldLayoutMkLst>
-        </pc:sldLayoutChg>
-        <pc:sldLayoutChg chg="add">
-          <pc:chgData name="Erik Csipak" userId="10b6620274b26068" providerId="Windows Live" clId="Web-{48BCAD7F-BA0E-4BFD-B168-6097C7788D10}" dt="2025-11-26T19:06:18.598" v="0"/>
-          <pc:sldLayoutMkLst>
-            <pc:docMk/>
-            <pc:sldMasterMk cId="45136931" sldId="2147483751"/>
-            <pc:sldLayoutMk cId="2994102431" sldId="2147483743"/>
-          </pc:sldLayoutMkLst>
-        </pc:sldLayoutChg>
-        <pc:sldLayoutChg chg="add">
-          <pc:chgData name="Erik Csipak" userId="10b6620274b26068" providerId="Windows Live" clId="Web-{48BCAD7F-BA0E-4BFD-B168-6097C7788D10}" dt="2025-11-26T19:06:18.598" v="0"/>
-          <pc:sldLayoutMkLst>
-            <pc:docMk/>
-            <pc:sldMasterMk cId="45136931" sldId="2147483751"/>
-            <pc:sldLayoutMk cId="3774185887" sldId="2147483744"/>
-          </pc:sldLayoutMkLst>
-        </pc:sldLayoutChg>
-        <pc:sldLayoutChg chg="add">
-          <pc:chgData name="Erik Csipak" userId="10b6620274b26068" providerId="Windows Live" clId="Web-{48BCAD7F-BA0E-4BFD-B168-6097C7788D10}" dt="2025-11-26T19:06:18.598" v="0"/>
-          <pc:sldLayoutMkLst>
-            <pc:docMk/>
-            <pc:sldMasterMk cId="45136931" sldId="2147483751"/>
-            <pc:sldLayoutMk cId="1277602948" sldId="2147483745"/>
-          </pc:sldLayoutMkLst>
-        </pc:sldLayoutChg>
-        <pc:sldLayoutChg chg="add">
-          <pc:chgData name="Erik Csipak" userId="10b6620274b26068" providerId="Windows Live" clId="Web-{48BCAD7F-BA0E-4BFD-B168-6097C7788D10}" dt="2025-11-26T19:06:18.598" v="0"/>
-          <pc:sldLayoutMkLst>
-            <pc:docMk/>
-            <pc:sldMasterMk cId="45136931" sldId="2147483751"/>
-            <pc:sldLayoutMk cId="1742536758" sldId="2147483746"/>
-          </pc:sldLayoutMkLst>
-        </pc:sldLayoutChg>
-        <pc:sldLayoutChg chg="add">
-          <pc:chgData name="Erik Csipak" userId="10b6620274b26068" providerId="Windows Live" clId="Web-{48BCAD7F-BA0E-4BFD-B168-6097C7788D10}" dt="2025-11-26T19:06:18.598" v="0"/>
-          <pc:sldLayoutMkLst>
-            <pc:docMk/>
-            <pc:sldMasterMk cId="45136931" sldId="2147483751"/>
-            <pc:sldLayoutMk cId="1725310962" sldId="2147483747"/>
-          </pc:sldLayoutMkLst>
-        </pc:sldLayoutChg>
-        <pc:sldLayoutChg chg="add">
-          <pc:chgData name="Erik Csipak" userId="10b6620274b26068" providerId="Windows Live" clId="Web-{48BCAD7F-BA0E-4BFD-B168-6097C7788D10}" dt="2025-11-26T19:06:18.598" v="0"/>
-          <pc:sldLayoutMkLst>
-            <pc:docMk/>
-            <pc:sldMasterMk cId="45136931" sldId="2147483751"/>
-            <pc:sldLayoutMk cId="229519535" sldId="2147483748"/>
-          </pc:sldLayoutMkLst>
-        </pc:sldLayoutChg>
-        <pc:sldLayoutChg chg="add">
-          <pc:chgData name="Erik Csipak" userId="10b6620274b26068" providerId="Windows Live" clId="Web-{48BCAD7F-BA0E-4BFD-B168-6097C7788D10}" dt="2025-11-26T19:06:18.598" v="0"/>
-          <pc:sldLayoutMkLst>
-            <pc:docMk/>
-            <pc:sldMasterMk cId="45136931" sldId="2147483751"/>
-            <pc:sldLayoutMk cId="3921944467" sldId="2147483749"/>
-          </pc:sldLayoutMkLst>
-        </pc:sldLayoutChg>
-        <pc:sldLayoutChg chg="add">
-          <pc:chgData name="Erik Csipak" userId="10b6620274b26068" providerId="Windows Live" clId="Web-{48BCAD7F-BA0E-4BFD-B168-6097C7788D10}" dt="2025-11-26T19:06:18.598" v="0"/>
-          <pc:sldLayoutMkLst>
-            <pc:docMk/>
-            <pc:sldMasterMk cId="45136931" sldId="2147483751"/>
-            <pc:sldLayoutMk cId="579489563" sldId="2147483750"/>
-          </pc:sldLayoutMkLst>
-        </pc:sldLayoutChg>
-      </pc:sldMasterChg>
-    </pc:docChg>
-  </pc:docChgLst>
-</pc:chgInfo>
 </file>
 
 <file path=ppt/slideLayouts/slideLayout1.xml><?xml version="1.0" encoding="utf-8"?>
@@ -5580,14 +4903,26 @@
               <a:t>Beszédes Bence – </a:t>
             </a:r>
             <a:r>
-              <a:rPr lang="en-US" i="1" dirty="0"/>
-              <a:t>ide </a:t>
-            </a:r>
-            <a:r>
-              <a:rPr lang="en-US" i="1" dirty="0" err="1"/>
-              <a:t>folytasd</a:t>
-            </a:r>
-            <a:endParaRPr lang="hu-HU" i="1" dirty="0"/>
+              <a:rPr lang="en-US" dirty="0" err="1"/>
+              <a:t>körváltás</a:t>
+            </a:r>
+            <a:r>
+              <a:rPr lang="en-US" dirty="0"/>
+              <a:t> </a:t>
+            </a:r>
+            <a:r>
+              <a:rPr lang="en-US" dirty="0" err="1"/>
+              <a:t>funkcionalitás</a:t>
+            </a:r>
+            <a:r>
+              <a:rPr lang="en-US" dirty="0"/>
+              <a:t> </a:t>
+            </a:r>
+            <a:r>
+              <a:rPr lang="en-US" dirty="0" err="1"/>
+              <a:t>megvalósítása</a:t>
+            </a:r>
+            <a:endParaRPr lang="en-US" i="1" dirty="0" err="1"/>
           </a:p>
         </p:txBody>
       </p:sp>
@@ -7440,6 +6775,175 @@
 </file>
 
 <file path=ppt/slides/slide7.xml><?xml version="1.0" encoding="utf-8"?>
+<p:sld xmlns:a="http://schemas.openxmlformats.org/drawingml/2006/main" xmlns:r="http://schemas.openxmlformats.org/officeDocument/2006/relationships" xmlns:p="http://schemas.openxmlformats.org/presentationml/2006/main">
+  <p:cSld>
+    <p:spTree>
+      <p:nvGrpSpPr>
+        <p:cNvPr id="1" name="">
+          <a:extLst>
+            <a:ext uri="{FF2B5EF4-FFF2-40B4-BE49-F238E27FC236}">
+              <a16:creationId xmlns:a16="http://schemas.microsoft.com/office/drawing/2014/main" id="{975B978B-7258-A0A4-2D36-031DB12B2933}"/>
+            </a:ext>
+          </a:extLst>
+        </p:cNvPr>
+        <p:cNvGrpSpPr/>
+        <p:nvPr/>
+      </p:nvGrpSpPr>
+      <p:grpSpPr>
+        <a:xfrm>
+          <a:off x="0" y="0"/>
+          <a:ext cx="0" cy="0"/>
+          <a:chOff x="0" y="0"/>
+          <a:chExt cx="0" cy="0"/>
+        </a:xfrm>
+      </p:grpSpPr>
+      <p:sp>
+        <p:nvSpPr>
+          <p:cNvPr id="2" name="Cím 1">
+            <a:extLst>
+              <a:ext uri="{FF2B5EF4-FFF2-40B4-BE49-F238E27FC236}">
+                <a16:creationId xmlns:a16="http://schemas.microsoft.com/office/drawing/2014/main" id="{C7E90273-FF99-7359-13DE-9E0BC1B30B96}"/>
+              </a:ext>
+            </a:extLst>
+          </p:cNvPr>
+          <p:cNvSpPr>
+            <a:spLocks noGrp="1"/>
+          </p:cNvSpPr>
+          <p:nvPr>
+            <p:ph type="title"/>
+          </p:nvPr>
+        </p:nvSpPr>
+        <p:spPr/>
+        <p:txBody>
+          <a:bodyPr/>
+          <a:lstStyle/>
+          <a:p>
+            <a:r>
+              <a:rPr lang="hu-HU" dirty="0"/>
+              <a:t>Játékosok körváltása</a:t>
+            </a:r>
+          </a:p>
+        </p:txBody>
+      </p:sp>
+      <p:sp>
+        <p:nvSpPr>
+          <p:cNvPr id="4" name="Tartalom helye 3">
+            <a:extLst>
+              <a:ext uri="{FF2B5EF4-FFF2-40B4-BE49-F238E27FC236}">
+                <a16:creationId xmlns:a16="http://schemas.microsoft.com/office/drawing/2014/main" id="{9C9658DA-2D4C-4135-2CA5-95151A52ED88}"/>
+              </a:ext>
+            </a:extLst>
+          </p:cNvPr>
+          <p:cNvSpPr>
+            <a:spLocks noGrp="1"/>
+          </p:cNvSpPr>
+          <p:nvPr>
+            <p:ph sz="half" idx="2"/>
+          </p:nvPr>
+        </p:nvSpPr>
+        <p:spPr>
+          <a:xfrm>
+            <a:off x="581193" y="2037532"/>
+            <a:ext cx="8085883" cy="2934999"/>
+          </a:xfrm>
+        </p:spPr>
+        <p:txBody>
+          <a:bodyPr>
+            <a:normAutofit/>
+          </a:bodyPr>
+          <a:lstStyle/>
+          <a:p>
+            <a:pPr marL="305435" indent="-305435"/>
+            <a:r>
+              <a:rPr lang="hu-HU" sz="1600" dirty="0">
+                <a:ea typeface="+mn-lt"/>
+                <a:cs typeface="+mn-lt"/>
+              </a:rPr>
+              <a:t>Mozgásérzékelésen alapul, amely folyamatosan figyeli a golyók mozgását a képkockák közötti különbségek alapján</a:t>
+            </a:r>
+          </a:p>
+          <a:p>
+            <a:pPr marL="305435" indent="-305435"/>
+            <a:r>
+              <a:rPr lang="hu-HU" sz="1600" dirty="0">
+                <a:ea typeface="+mn-lt"/>
+                <a:cs typeface="+mn-lt"/>
+              </a:rPr>
+              <a:t>Szürkeárnyalatos képeket hasonlítunk össze egymással, ha a változás mértéke meghalad egy meghatározott küszöbértéket -&gt; mozgást detektál</a:t>
+            </a:r>
+          </a:p>
+          <a:p>
+            <a:pPr marL="305435" indent="-305435"/>
+            <a:r>
+              <a:rPr lang="hu-HU" sz="1600" dirty="0">
+                <a:ea typeface="+mn-lt"/>
+                <a:cs typeface="+mn-lt"/>
+              </a:rPr>
+              <a:t>Játékosváltás: ha 90 </a:t>
+            </a:r>
+            <a:r>
+              <a:rPr lang="hu-HU" sz="1600" dirty="0" err="1">
+                <a:ea typeface="+mn-lt"/>
+                <a:cs typeface="+mn-lt"/>
+              </a:rPr>
+              <a:t>frame</a:t>
+            </a:r>
+            <a:r>
+              <a:rPr lang="hu-HU" sz="1600" dirty="0">
+                <a:ea typeface="+mn-lt"/>
+                <a:cs typeface="+mn-lt"/>
+              </a:rPr>
+              <a:t>-n keresztül nincs mozgás (</a:t>
+            </a:r>
+            <a:r>
+              <a:rPr lang="hu-HU" sz="1600" dirty="0" err="1">
+                <a:ea typeface="+mn-lt"/>
+                <a:cs typeface="+mn-lt"/>
+              </a:rPr>
+              <a:t>kb</a:t>
+            </a:r>
+            <a:r>
+              <a:rPr lang="hu-HU" sz="1600" dirty="0">
+                <a:ea typeface="+mn-lt"/>
+                <a:cs typeface="+mn-lt"/>
+              </a:rPr>
+              <a:t> 3 másodperc) automatikusan körváltás</a:t>
+            </a:r>
+          </a:p>
+          <a:p>
+            <a:pPr marL="305435" indent="-305435"/>
+            <a:r>
+              <a:rPr lang="hu-HU" sz="1600" dirty="0">
+                <a:ea typeface="+mn-lt"/>
+                <a:cs typeface="+mn-lt"/>
+              </a:rPr>
+              <a:t>Sikeres beütés esetén a mozgásszámláló </a:t>
+            </a:r>
+            <a:r>
+              <a:rPr lang="hu-HU" sz="1600" dirty="0" err="1">
+                <a:ea typeface="+mn-lt"/>
+                <a:cs typeface="+mn-lt"/>
+              </a:rPr>
+              <a:t>nullázódik</a:t>
+            </a:r>
+            <a:endParaRPr lang="hu-HU" sz="1600" dirty="0" err="1"/>
+          </a:p>
+        </p:txBody>
+      </p:sp>
+    </p:spTree>
+    <p:extLst>
+      <p:ext uri="{BB962C8B-B14F-4D97-AF65-F5344CB8AC3E}">
+        <p14:creationId xmlns:p14="http://schemas.microsoft.com/office/powerpoint/2010/main" val="3325607904"/>
+      </p:ext>
+    </p:extLst>
+  </p:cSld>
+  <p:clrMapOvr>
+    <a:masterClrMapping/>
+  </p:clrMapOvr>
+</p:sld>
+</file>
+
+<file path=ppt/slides/slide8.xml><?xml version="1.0" encoding="utf-8"?>
 <p:sld xmlns:a="http://schemas.openxmlformats.org/drawingml/2006/main" xmlns:r="http://schemas.openxmlformats.org/officeDocument/2006/relationships" xmlns:p="http://schemas.openxmlformats.org/presentationml/2006/main">
   <p:cSld>
     <p:spTree>

--- a/Snooker.pptx
+++ b/Snooker.pptx
@@ -372,7 +372,7 @@
           <a:p>
             <a:fld id="{ED291B17-9318-49DB-B28B-6E5994AE9581}" type="datetime1">
               <a:rPr lang="en-US" smtClean="0"/>
-              <a:t>11/29/2025</a:t>
+              <a:t>11/30/2025</a:t>
             </a:fld>
             <a:endParaRPr lang="en-US" dirty="0"/>
           </a:p>
@@ -575,7 +575,7 @@
           <a:p>
             <a:fld id="{2CED4963-E985-44C4-B8C4-FDD613B7C2F8}" type="datetime1">
               <a:rPr lang="en-US" smtClean="0"/>
-              <a:t>11/29/2025</a:t>
+              <a:t>11/30/2025</a:t>
             </a:fld>
             <a:endParaRPr lang="en-US" dirty="0"/>
           </a:p>
@@ -937,7 +937,7 @@
           <a:p>
             <a:fld id="{ED291B17-9318-49DB-B28B-6E5994AE9581}" type="datetime1">
               <a:rPr lang="en-US" smtClean="0"/>
-              <a:t>11/29/2025</a:t>
+              <a:t>11/30/2025</a:t>
             </a:fld>
             <a:endParaRPr lang="en-US" dirty="0"/>
           </a:p>
@@ -1135,7 +1135,7 @@
           <a:p>
             <a:fld id="{78DD82B9-B8EE-4375-B6FF-88FA6ABB15D9}" type="datetime1">
               <a:rPr lang="en-US" smtClean="0"/>
-              <a:t>11/29/2025</a:t>
+              <a:t>11/30/2025</a:t>
             </a:fld>
             <a:endParaRPr lang="en-US" dirty="0"/>
           </a:p>
@@ -1447,7 +1447,7 @@
           <a:p>
             <a:fld id="{B2497495-0637-405E-AE64-5CC7506D51F5}" type="datetime1">
               <a:rPr lang="en-US" smtClean="0"/>
-              <a:t>11/29/2025</a:t>
+              <a:t>11/30/2025</a:t>
             </a:fld>
             <a:endParaRPr lang="en-US" dirty="0"/>
           </a:p>
@@ -1700,7 +1700,7 @@
           <a:p>
             <a:fld id="{7BFFD690-9426-415D-8B65-26881E07B2D4}" type="datetime1">
               <a:rPr lang="en-US" smtClean="0"/>
-              <a:t>11/29/2025</a:t>
+              <a:t>11/30/2025</a:t>
             </a:fld>
             <a:endParaRPr lang="en-US" dirty="0"/>
           </a:p>
@@ -2122,7 +2122,7 @@
           <a:p>
             <a:fld id="{04C4989A-474C-40DE-95B9-011C28B71673}" type="datetime1">
               <a:rPr lang="en-US" smtClean="0"/>
-              <a:t>11/29/2025</a:t>
+              <a:t>11/30/2025</a:t>
             </a:fld>
             <a:endParaRPr lang="en-US" dirty="0"/>
           </a:p>
@@ -2245,7 +2245,7 @@
           <a:p>
             <a:fld id="{5DB4ED54-5B5E-4A04-93D3-5772E3CE3818}" type="datetime1">
               <a:rPr lang="en-US" smtClean="0"/>
-              <a:t>11/29/2025</a:t>
+              <a:t>11/30/2025</a:t>
             </a:fld>
             <a:endParaRPr lang="en-US" dirty="0"/>
           </a:p>
@@ -2340,7 +2340,7 @@
           <a:p>
             <a:fld id="{4EDE50D6-574B-40AF-946F-D52A04ADE379}" type="datetime1">
               <a:rPr lang="en-US" smtClean="0"/>
-              <a:t>11/29/2025</a:t>
+              <a:t>11/30/2025</a:t>
             </a:fld>
             <a:endParaRPr lang="en-US" dirty="0"/>
           </a:p>
@@ -2717,7 +2717,7 @@
           <a:p>
             <a:fld id="{D82884F1-FFEA-405F-9602-3DCA865EDA4E}" type="datetime1">
               <a:rPr lang="en-US" smtClean="0"/>
-              <a:t>11/29/2025</a:t>
+              <a:t>11/30/2025</a:t>
             </a:fld>
             <a:endParaRPr lang="en-US" dirty="0"/>
           </a:p>
@@ -3010,7 +3010,7 @@
           <a:p>
             <a:fld id="{7E18DB4A-8810-4A10-AD5C-D5E2C667F5B3}" type="datetime1">
               <a:rPr lang="en-US" smtClean="0"/>
-              <a:t>11/29/2025</a:t>
+              <a:t>11/30/2025</a:t>
             </a:fld>
             <a:endParaRPr lang="en-US" dirty="0"/>
           </a:p>
@@ -3225,7 +3225,7 @@
           <a:p>
             <a:fld id="{ED291B17-9318-49DB-B28B-6E5994AE9581}" type="datetime1">
               <a:rPr lang="en-US" smtClean="0"/>
-              <a:t>11/29/2025</a:t>
+              <a:t>11/30/2025</a:t>
             </a:fld>
             <a:endParaRPr lang="en-US" dirty="0"/>
           </a:p>
@@ -6962,40 +6962,113 @@
       </p:grpSpPr>
       <p:sp>
         <p:nvSpPr>
-          <p:cNvPr id="2" name="Szövegdoboz 1">
+          <p:cNvPr id="3" name="Cím 1">
             <a:extLst>
               <a:ext uri="{FF2B5EF4-FFF2-40B4-BE49-F238E27FC236}">
-                <a16:creationId xmlns:a16="http://schemas.microsoft.com/office/drawing/2014/main" id="{E84A3881-7F2F-EA6B-1357-C3B946A10C0B}"/>
+                <a16:creationId xmlns:a16="http://schemas.microsoft.com/office/drawing/2014/main" id="{EF9BF6F0-1CD7-01FB-4A1F-DC78480B5FC6}"/>
               </a:ext>
             </a:extLst>
           </p:cNvPr>
-          <p:cNvSpPr txBox="1"/>
+          <p:cNvSpPr txBox="1">
+            <a:spLocks/>
+          </p:cNvSpPr>
           <p:nvPr/>
         </p:nvSpPr>
         <p:spPr>
           <a:xfrm>
-            <a:off x="4724400" y="3243942"/>
-            <a:ext cx="2743200" cy="365760"/>
+            <a:off x="2884816" y="3123688"/>
+            <a:ext cx="6422367" cy="610623"/>
           </a:xfrm>
           <a:prstGeom prst="rect">
             <a:avLst/>
           </a:prstGeom>
-          <a:noFill/>
-        </p:spPr>
-        <p:txBody>
-          <a:bodyPr rot="0" spcFirstLastPara="0" vertOverflow="overflow" horzOverflow="overflow" vert="horz" wrap="square" lIns="91440" tIns="45720" rIns="91440" bIns="45720" numCol="1" spcCol="0" rtlCol="0" fromWordArt="0" anchor="t" anchorCtr="0" forceAA="0" compatLnSpc="1">
-            <a:prstTxWarp prst="textNoShape">
-              <a:avLst/>
-            </a:prstTxWarp>
-            <a:spAutoFit/>
-          </a:bodyPr>
-          <a:lstStyle/>
-          <a:p>
-            <a:r>
-              <a:rPr lang="hu-HU" i="1" dirty="0"/>
-              <a:t>Ide folytasd...</a:t>
-            </a:r>
-            <a:endParaRPr lang="hu-HU" dirty="0"/>
+        </p:spPr>
+        <p:txBody>
+          <a:bodyPr/>
+          <a:lstStyle>
+            <a:lvl1pPr algn="l" defTabSz="457200" rtl="0" eaLnBrk="1" latinLnBrk="0" hangingPunct="1">
+              <a:lnSpc>
+                <a:spcPct val="90000"/>
+              </a:lnSpc>
+              <a:spcBef>
+                <a:spcPct val="0"/>
+              </a:spcBef>
+              <a:buNone/>
+              <a:defRPr sz="4400" b="0" kern="1200" cap="all">
+                <a:solidFill>
+                  <a:schemeClr val="tx1">
+                    <a:lumMod val="75000"/>
+                    <a:lumOff val="25000"/>
+                  </a:schemeClr>
+                </a:solidFill>
+                <a:latin typeface="+mj-lt"/>
+                <a:ea typeface="+mj-ea"/>
+                <a:cs typeface="+mj-cs"/>
+              </a:defRPr>
+            </a:lvl1pPr>
+            <a:lvl2pPr eaLnBrk="1" hangingPunct="1">
+              <a:defRPr>
+                <a:solidFill>
+                  <a:schemeClr val="tx2"/>
+                </a:solidFill>
+              </a:defRPr>
+            </a:lvl2pPr>
+            <a:lvl3pPr eaLnBrk="1" hangingPunct="1">
+              <a:defRPr>
+                <a:solidFill>
+                  <a:schemeClr val="tx2"/>
+                </a:solidFill>
+              </a:defRPr>
+            </a:lvl3pPr>
+            <a:lvl4pPr eaLnBrk="1" hangingPunct="1">
+              <a:defRPr>
+                <a:solidFill>
+                  <a:schemeClr val="tx2"/>
+                </a:solidFill>
+              </a:defRPr>
+            </a:lvl4pPr>
+            <a:lvl5pPr eaLnBrk="1" hangingPunct="1">
+              <a:defRPr>
+                <a:solidFill>
+                  <a:schemeClr val="tx2"/>
+                </a:solidFill>
+              </a:defRPr>
+            </a:lvl5pPr>
+            <a:lvl6pPr eaLnBrk="1" hangingPunct="1">
+              <a:defRPr>
+                <a:solidFill>
+                  <a:schemeClr val="tx2"/>
+                </a:solidFill>
+              </a:defRPr>
+            </a:lvl6pPr>
+            <a:lvl7pPr eaLnBrk="1" hangingPunct="1">
+              <a:defRPr>
+                <a:solidFill>
+                  <a:schemeClr val="tx2"/>
+                </a:solidFill>
+              </a:defRPr>
+            </a:lvl7pPr>
+            <a:lvl8pPr eaLnBrk="1" hangingPunct="1">
+              <a:defRPr>
+                <a:solidFill>
+                  <a:schemeClr val="tx2"/>
+                </a:solidFill>
+              </a:defRPr>
+            </a:lvl8pPr>
+            <a:lvl9pPr eaLnBrk="1" hangingPunct="1">
+              <a:defRPr>
+                <a:solidFill>
+                  <a:schemeClr val="tx2"/>
+                </a:solidFill>
+              </a:defRPr>
+            </a:lvl9pPr>
+          </a:lstStyle>
+          <a:p>
+            <a:pPr algn="ctr"/>
+            <a:r>
+              <a:rPr lang="hu-HU" dirty="0"/>
+              <a:t>Köszönjük a figyelmet!</a:t>
+            </a:r>
           </a:p>
         </p:txBody>
       </p:sp>
